--- a/Final Project.pptx
+++ b/Final Project.pptx
@@ -2,7 +2,7 @@
 <file path=ppt/presentation.xml><?xml version="1.0" encoding="utf-8"?>
 <p:presentation xmlns:a="http://schemas.openxmlformats.org/drawingml/2006/main" xmlns:r="http://schemas.openxmlformats.org/officeDocument/2006/relationships" xmlns:p="http://schemas.openxmlformats.org/presentationml/2006/main" saveSubsetFonts="1">
   <p:sldMasterIdLst>
-    <p:sldMasterId id="2147483747" r:id="rId1"/>
+    <p:sldMasterId id="2147483842" r:id="rId1"/>
   </p:sldMasterIdLst>
   <p:sldIdLst>
     <p:sldId id="256" r:id="rId2"/>
@@ -452,7 +452,7 @@
     </p:spTree>
     <p:extLst>
       <p:ext uri="{BB962C8B-B14F-4D97-AF65-F5344CB8AC3E}">
-        <p14:creationId xmlns:p14="http://schemas.microsoft.com/office/powerpoint/2010/main" val="2112219510"/>
+        <p14:creationId xmlns:p14="http://schemas.microsoft.com/office/powerpoint/2010/main" val="2665947687"/>
       </p:ext>
     </p:extLst>
   </p:cSld>
@@ -624,7 +624,7 @@
     </p:spTree>
     <p:extLst>
       <p:ext uri="{BB962C8B-B14F-4D97-AF65-F5344CB8AC3E}">
-        <p14:creationId xmlns:p14="http://schemas.microsoft.com/office/powerpoint/2010/main" val="2597362862"/>
+        <p14:creationId xmlns:p14="http://schemas.microsoft.com/office/powerpoint/2010/main" val="2938399219"/>
       </p:ext>
     </p:extLst>
   </p:cSld>
@@ -882,7 +882,7 @@
     </p:spTree>
     <p:extLst>
       <p:ext uri="{BB962C8B-B14F-4D97-AF65-F5344CB8AC3E}">
-        <p14:creationId xmlns:p14="http://schemas.microsoft.com/office/powerpoint/2010/main" val="2500040462"/>
+        <p14:creationId xmlns:p14="http://schemas.microsoft.com/office/powerpoint/2010/main" val="1384565666"/>
       </p:ext>
     </p:extLst>
   </p:cSld>
@@ -1058,7 +1058,7 @@
     </p:spTree>
     <p:extLst>
       <p:ext uri="{BB962C8B-B14F-4D97-AF65-F5344CB8AC3E}">
-        <p14:creationId xmlns:p14="http://schemas.microsoft.com/office/powerpoint/2010/main" val="775991250"/>
+        <p14:creationId xmlns:p14="http://schemas.microsoft.com/office/powerpoint/2010/main" val="268416503"/>
       </p:ext>
     </p:extLst>
   </p:cSld>
@@ -1441,7 +1441,7 @@
     </p:spTree>
     <p:extLst>
       <p:ext uri="{BB962C8B-B14F-4D97-AF65-F5344CB8AC3E}">
-        <p14:creationId xmlns:p14="http://schemas.microsoft.com/office/powerpoint/2010/main" val="3222583797"/>
+        <p14:creationId xmlns:p14="http://schemas.microsoft.com/office/powerpoint/2010/main" val="1918264453"/>
       </p:ext>
     </p:extLst>
   </p:cSld>
@@ -1680,7 +1680,7 @@
     </p:spTree>
     <p:extLst>
       <p:ext uri="{BB962C8B-B14F-4D97-AF65-F5344CB8AC3E}">
-        <p14:creationId xmlns:p14="http://schemas.microsoft.com/office/powerpoint/2010/main" val="1108465004"/>
+        <p14:creationId xmlns:p14="http://schemas.microsoft.com/office/powerpoint/2010/main" val="2622447216"/>
       </p:ext>
     </p:extLst>
   </p:cSld>
@@ -2061,7 +2061,7 @@
     </p:spTree>
     <p:extLst>
       <p:ext uri="{BB962C8B-B14F-4D97-AF65-F5344CB8AC3E}">
-        <p14:creationId xmlns:p14="http://schemas.microsoft.com/office/powerpoint/2010/main" val="3510702240"/>
+        <p14:creationId xmlns:p14="http://schemas.microsoft.com/office/powerpoint/2010/main" val="2311776588"/>
       </p:ext>
     </p:extLst>
   </p:cSld>
@@ -2181,7 +2181,7 @@
     </p:spTree>
     <p:extLst>
       <p:ext uri="{BB962C8B-B14F-4D97-AF65-F5344CB8AC3E}">
-        <p14:creationId xmlns:p14="http://schemas.microsoft.com/office/powerpoint/2010/main" val="2044432098"/>
+        <p14:creationId xmlns:p14="http://schemas.microsoft.com/office/powerpoint/2010/main" val="2566288816"/>
       </p:ext>
     </p:extLst>
   </p:cSld>
@@ -2362,7 +2362,7 @@
     </p:spTree>
     <p:extLst>
       <p:ext uri="{BB962C8B-B14F-4D97-AF65-F5344CB8AC3E}">
-        <p14:creationId xmlns:p14="http://schemas.microsoft.com/office/powerpoint/2010/main" val="853323560"/>
+        <p14:creationId xmlns:p14="http://schemas.microsoft.com/office/powerpoint/2010/main" val="3764655439"/>
       </p:ext>
     </p:extLst>
   </p:cSld>
@@ -2731,7 +2731,7 @@
     </p:spTree>
     <p:extLst>
       <p:ext uri="{BB962C8B-B14F-4D97-AF65-F5344CB8AC3E}">
-        <p14:creationId xmlns:p14="http://schemas.microsoft.com/office/powerpoint/2010/main" val="3030819602"/>
+        <p14:creationId xmlns:p14="http://schemas.microsoft.com/office/powerpoint/2010/main" val="3905562395"/>
       </p:ext>
     </p:extLst>
   </p:cSld>
@@ -3094,7 +3094,7 @@
     </p:spTree>
     <p:extLst>
       <p:ext uri="{BB962C8B-B14F-4D97-AF65-F5344CB8AC3E}">
-        <p14:creationId xmlns:p14="http://schemas.microsoft.com/office/powerpoint/2010/main" val="1773314863"/>
+        <p14:creationId xmlns:p14="http://schemas.microsoft.com/office/powerpoint/2010/main" val="3833215450"/>
       </p:ext>
     </p:extLst>
   </p:cSld>
@@ -3453,23 +3453,23 @@
     </p:spTree>
     <p:extLst>
       <p:ext uri="{BB962C8B-B14F-4D97-AF65-F5344CB8AC3E}">
-        <p14:creationId xmlns:p14="http://schemas.microsoft.com/office/powerpoint/2010/main" val="4248625689"/>
+        <p14:creationId xmlns:p14="http://schemas.microsoft.com/office/powerpoint/2010/main" val="1732441859"/>
       </p:ext>
     </p:extLst>
   </p:cSld>
   <p:clrMap bg1="lt1" tx1="dk1" bg2="lt2" tx2="dk2" accent1="accent1" accent2="accent2" accent3="accent3" accent4="accent4" accent5="accent5" accent6="accent6" hlink="hlink" folHlink="folHlink"/>
   <p:sldLayoutIdLst>
-    <p:sldLayoutId id="2147483748" r:id="rId1"/>
-    <p:sldLayoutId id="2147483749" r:id="rId2"/>
-    <p:sldLayoutId id="2147483750" r:id="rId3"/>
-    <p:sldLayoutId id="2147483751" r:id="rId4"/>
-    <p:sldLayoutId id="2147483752" r:id="rId5"/>
-    <p:sldLayoutId id="2147483753" r:id="rId6"/>
-    <p:sldLayoutId id="2147483754" r:id="rId7"/>
-    <p:sldLayoutId id="2147483755" r:id="rId8"/>
-    <p:sldLayoutId id="2147483756" r:id="rId9"/>
-    <p:sldLayoutId id="2147483757" r:id="rId10"/>
-    <p:sldLayoutId id="2147483758" r:id="rId11"/>
+    <p:sldLayoutId id="2147483843" r:id="rId1"/>
+    <p:sldLayoutId id="2147483844" r:id="rId2"/>
+    <p:sldLayoutId id="2147483845" r:id="rId3"/>
+    <p:sldLayoutId id="2147483846" r:id="rId4"/>
+    <p:sldLayoutId id="2147483847" r:id="rId5"/>
+    <p:sldLayoutId id="2147483848" r:id="rId6"/>
+    <p:sldLayoutId id="2147483849" r:id="rId7"/>
+    <p:sldLayoutId id="2147483850" r:id="rId8"/>
+    <p:sldLayoutId id="2147483851" r:id="rId9"/>
+    <p:sldLayoutId id="2147483852" r:id="rId10"/>
+    <p:sldLayoutId id="2147483853" r:id="rId11"/>
   </p:sldLayoutIdLst>
   <p:txStyles>
     <p:titleStyle>
@@ -4492,7 +4492,7 @@
         </p:nvSpPr>
         <p:spPr>
           <a:xfrm>
-            <a:off x="1797666" y="416299"/>
+            <a:off x="1797666" y="357305"/>
             <a:ext cx="8596668" cy="2586087"/>
           </a:xfrm>
         </p:spPr>
@@ -4514,8 +4514,14 @@
                 <a:latin typeface="Times New Roman" panose="02020603050405020304" pitchFamily="18" charset="0"/>
                 <a:cs typeface="Times New Roman" panose="02020603050405020304" pitchFamily="18" charset="0"/>
               </a:rPr>
-              <a:t> Link : </a:t>
-            </a:r>
+              <a:t> Link:</a:t>
+            </a:r>
+            <a:br>
+              <a:rPr lang="en-IN" sz="4400" dirty="0">
+                <a:latin typeface="Times New Roman" panose="02020603050405020304" pitchFamily="18" charset="0"/>
+                <a:cs typeface="Times New Roman" panose="02020603050405020304" pitchFamily="18" charset="0"/>
+              </a:rPr>
+            </a:br>
             <a:r>
               <a:rPr lang="en-IN" sz="2800" dirty="0">
                 <a:latin typeface="Times New Roman" panose="02020603050405020304" pitchFamily="18" charset="0"/>
@@ -4680,21 +4686,7 @@
                 <a:latin typeface="Times New Roman" panose="02020603050405020304" pitchFamily="18" charset="0"/>
                 <a:cs typeface="Times New Roman" panose="02020603050405020304" pitchFamily="18" charset="0"/>
               </a:rPr>
-              <a:t>Understanding and Mitigating </a:t>
-            </a:r>
-            <a:r>
-              <a:rPr lang="en-US" sz="3600" dirty="0" err="1">
-                <a:latin typeface="Times New Roman" panose="02020603050405020304" pitchFamily="18" charset="0"/>
-                <a:cs typeface="Times New Roman" panose="02020603050405020304" pitchFamily="18" charset="0"/>
-              </a:rPr>
-              <a:t>Kelogging</a:t>
-            </a:r>
-            <a:r>
-              <a:rPr lang="en-US" sz="3600" dirty="0">
-                <a:latin typeface="Times New Roman" panose="02020603050405020304" pitchFamily="18" charset="0"/>
-                <a:cs typeface="Times New Roman" panose="02020603050405020304" pitchFamily="18" charset="0"/>
-              </a:rPr>
-              <a:t> Threats</a:t>
+              <a:t>Understanding and Mitigating Keylogging Threats</a:t>
             </a:r>
           </a:p>
           <a:p>
